--- a/Presentations/AutoKeras_Demo.pptx
+++ b/Presentations/AutoKeras_Demo.pptx
@@ -5,7 +5,7 @@
     <p:sldMasterId id="2147483648" r:id="rId1"/>
   </p:sldMasterIdLst>
   <p:notesMasterIdLst>
-    <p:notesMasterId r:id="rId11"/>
+    <p:notesMasterId r:id="rId15"/>
   </p:notesMasterIdLst>
   <p:sldIdLst>
     <p:sldId id="256" r:id="rId2"/>
@@ -15,8 +15,12 @@
     <p:sldId id="293" r:id="rId6"/>
     <p:sldId id="294" r:id="rId7"/>
     <p:sldId id="295" r:id="rId8"/>
-    <p:sldId id="281" r:id="rId9"/>
-    <p:sldId id="278" r:id="rId10"/>
+    <p:sldId id="298" r:id="rId9"/>
+    <p:sldId id="299" r:id="rId10"/>
+    <p:sldId id="300" r:id="rId11"/>
+    <p:sldId id="281" r:id="rId12"/>
+    <p:sldId id="278" r:id="rId13"/>
+    <p:sldId id="297" r:id="rId14"/>
   </p:sldIdLst>
   <p:sldSz cx="12192000" cy="6858000"/>
   <p:notesSz cx="6858000" cy="9144000"/>
@@ -205,7 +209,7 @@
           <a:p>
             <a:fld id="{55702F3C-D3F0-4AEC-A1F3-B856D1308CFD}" type="datetimeFigureOut">
               <a:rPr lang="en-US" smtClean="0"/>
-              <a:t>11/12/2023</a:t>
+              <a:t>11/13/2023</a:t>
             </a:fld>
             <a:endParaRPr lang="en-US"/>
           </a:p>
@@ -619,7 +623,7 @@
           <a:p>
             <a:fld id="{633CBC91-C92A-43A0-AA70-06FDDE079E41}" type="datetimeFigureOut">
               <a:rPr lang="en-US" smtClean="0"/>
-              <a:t>11/12/2023</a:t>
+              <a:t>11/13/2023</a:t>
             </a:fld>
             <a:endParaRPr lang="en-US"/>
           </a:p>
@@ -817,7 +821,7 @@
           <a:p>
             <a:fld id="{633CBC91-C92A-43A0-AA70-06FDDE079E41}" type="datetimeFigureOut">
               <a:rPr lang="en-US" smtClean="0"/>
-              <a:t>11/12/2023</a:t>
+              <a:t>11/13/2023</a:t>
             </a:fld>
             <a:endParaRPr lang="en-US"/>
           </a:p>
@@ -1025,7 +1029,7 @@
           <a:p>
             <a:fld id="{633CBC91-C92A-43A0-AA70-06FDDE079E41}" type="datetimeFigureOut">
               <a:rPr lang="en-US" smtClean="0"/>
-              <a:t>11/12/2023</a:t>
+              <a:t>11/13/2023</a:t>
             </a:fld>
             <a:endParaRPr lang="en-US"/>
           </a:p>
@@ -1223,7 +1227,7 @@
           <a:p>
             <a:fld id="{633CBC91-C92A-43A0-AA70-06FDDE079E41}" type="datetimeFigureOut">
               <a:rPr lang="en-US" smtClean="0"/>
-              <a:t>11/12/2023</a:t>
+              <a:t>11/13/2023</a:t>
             </a:fld>
             <a:endParaRPr lang="en-US"/>
           </a:p>
@@ -1498,7 +1502,7 @@
           <a:p>
             <a:fld id="{633CBC91-C92A-43A0-AA70-06FDDE079E41}" type="datetimeFigureOut">
               <a:rPr lang="en-US" smtClean="0"/>
-              <a:t>11/12/2023</a:t>
+              <a:t>11/13/2023</a:t>
             </a:fld>
             <a:endParaRPr lang="en-US"/>
           </a:p>
@@ -1763,7 +1767,7 @@
           <a:p>
             <a:fld id="{633CBC91-C92A-43A0-AA70-06FDDE079E41}" type="datetimeFigureOut">
               <a:rPr lang="en-US" smtClean="0"/>
-              <a:t>11/12/2023</a:t>
+              <a:t>11/13/2023</a:t>
             </a:fld>
             <a:endParaRPr lang="en-US"/>
           </a:p>
@@ -2175,7 +2179,7 @@
           <a:p>
             <a:fld id="{633CBC91-C92A-43A0-AA70-06FDDE079E41}" type="datetimeFigureOut">
               <a:rPr lang="en-US" smtClean="0"/>
-              <a:t>11/12/2023</a:t>
+              <a:t>11/13/2023</a:t>
             </a:fld>
             <a:endParaRPr lang="en-US"/>
           </a:p>
@@ -2316,7 +2320,7 @@
           <a:p>
             <a:fld id="{633CBC91-C92A-43A0-AA70-06FDDE079E41}" type="datetimeFigureOut">
               <a:rPr lang="en-US" smtClean="0"/>
-              <a:t>11/12/2023</a:t>
+              <a:t>11/13/2023</a:t>
             </a:fld>
             <a:endParaRPr lang="en-US"/>
           </a:p>
@@ -2429,7 +2433,7 @@
           <a:p>
             <a:fld id="{633CBC91-C92A-43A0-AA70-06FDDE079E41}" type="datetimeFigureOut">
               <a:rPr lang="en-US" smtClean="0"/>
-              <a:t>11/12/2023</a:t>
+              <a:t>11/13/2023</a:t>
             </a:fld>
             <a:endParaRPr lang="en-US"/>
           </a:p>
@@ -2740,7 +2744,7 @@
           <a:p>
             <a:fld id="{633CBC91-C92A-43A0-AA70-06FDDE079E41}" type="datetimeFigureOut">
               <a:rPr lang="en-US" smtClean="0"/>
-              <a:t>11/12/2023</a:t>
+              <a:t>11/13/2023</a:t>
             </a:fld>
             <a:endParaRPr lang="en-US"/>
           </a:p>
@@ -3028,7 +3032,7 @@
           <a:p>
             <a:fld id="{633CBC91-C92A-43A0-AA70-06FDDE079E41}" type="datetimeFigureOut">
               <a:rPr lang="en-US" smtClean="0"/>
-              <a:t>11/12/2023</a:t>
+              <a:t>11/13/2023</a:t>
             </a:fld>
             <a:endParaRPr lang="en-US"/>
           </a:p>
@@ -3279,7 +3283,7 @@
           <a:p>
             <a:fld id="{633CBC91-C92A-43A0-AA70-06FDDE079E41}" type="datetimeFigureOut">
               <a:rPr lang="en-US" smtClean="0"/>
-              <a:t>11/12/2023</a:t>
+              <a:t>11/13/2023</a:t>
             </a:fld>
             <a:endParaRPr lang="en-US"/>
           </a:p>
@@ -3868,43 +3872,8 @@
         </p:blipFill>
         <p:spPr>
           <a:xfrm>
-            <a:off x="3628102" y="5192247"/>
+            <a:off x="5402578" y="5257800"/>
             <a:ext cx="1386841" cy="1386841"/>
-          </a:xfrm>
-          <a:prstGeom prst="rect">
-            <a:avLst/>
-          </a:prstGeom>
-        </p:spPr>
-      </p:pic>
-      <p:pic>
-        <p:nvPicPr>
-          <p:cNvPr id="5" name="Picture 4" descr="A qr code on a white background&#10;&#10;Description automatically generated">
-            <a:extLst>
-              <a:ext uri="{FF2B5EF4-FFF2-40B4-BE49-F238E27FC236}">
-                <a16:creationId xmlns:a16="http://schemas.microsoft.com/office/drawing/2014/main" id="{F936D8D6-869F-E3F2-9C08-0CDC3D26C7F8}"/>
-              </a:ext>
-            </a:extLst>
-          </p:cNvPr>
-          <p:cNvPicPr>
-            <a:picLocks noChangeAspect="1"/>
-          </p:cNvPicPr>
-          <p:nvPr/>
-        </p:nvPicPr>
-        <p:blipFill rotWithShape="1">
-          <a:blip r:embed="rId3">
-            <a:extLst>
-              <a:ext uri="{28A0092B-C50C-407E-A947-70E740481C1C}">
-                <a14:useLocalDpi xmlns:a14="http://schemas.microsoft.com/office/drawing/2010/main" val="0"/>
-              </a:ext>
-            </a:extLst>
-          </a:blip>
-          <a:srcRect l="9142" t="9319" r="10167" b="9378"/>
-          <a:stretch/>
-        </p:blipFill>
-        <p:spPr>
-          <a:xfrm>
-            <a:off x="6965337" y="5192248"/>
-            <a:ext cx="1376373" cy="1386841"/>
           </a:xfrm>
           <a:prstGeom prst="rect">
             <a:avLst/>
@@ -3915,6 +3884,879 @@
     <p:extLst>
       <p:ext uri="{BB962C8B-B14F-4D97-AF65-F5344CB8AC3E}">
         <p14:creationId xmlns:p14="http://schemas.microsoft.com/office/powerpoint/2010/main" val="390233224"/>
+      </p:ext>
+    </p:extLst>
+  </p:cSld>
+  <p:clrMapOvr>
+    <a:masterClrMapping/>
+  </p:clrMapOvr>
+</p:sld>
+</file>
+
+<file path=ppt/slides/slide10.xml><?xml version="1.0" encoding="utf-8"?>
+<p:sld xmlns:a="http://schemas.openxmlformats.org/drawingml/2006/main" xmlns:r="http://schemas.openxmlformats.org/officeDocument/2006/relationships" xmlns:p="http://schemas.openxmlformats.org/presentationml/2006/main">
+  <p:cSld>
+    <p:spTree>
+      <p:nvGrpSpPr>
+        <p:cNvPr id="1" name=""/>
+        <p:cNvGrpSpPr/>
+        <p:nvPr/>
+      </p:nvGrpSpPr>
+      <p:grpSpPr>
+        <a:xfrm>
+          <a:off x="0" y="0"/>
+          <a:ext cx="0" cy="0"/>
+          <a:chOff x="0" y="0"/>
+          <a:chExt cx="0" cy="0"/>
+        </a:xfrm>
+      </p:grpSpPr>
+      <p:sp>
+        <p:nvSpPr>
+          <p:cNvPr id="2" name="Title 1">
+            <a:extLst>
+              <a:ext uri="{FF2B5EF4-FFF2-40B4-BE49-F238E27FC236}">
+                <a16:creationId xmlns:a16="http://schemas.microsoft.com/office/drawing/2014/main" id="{C38A988E-B233-252B-808A-88EB168DC390}"/>
+              </a:ext>
+            </a:extLst>
+          </p:cNvPr>
+          <p:cNvSpPr>
+            <a:spLocks noGrp="1"/>
+          </p:cNvSpPr>
+          <p:nvPr>
+            <p:ph type="title"/>
+          </p:nvPr>
+        </p:nvSpPr>
+        <p:spPr/>
+        <p:txBody>
+          <a:bodyPr/>
+          <a:lstStyle/>
+          <a:p>
+            <a:r>
+              <a:rPr lang="en-US" dirty="0" err="1"/>
+              <a:t>AutoKeras</a:t>
+            </a:r>
+            <a:r>
+              <a:rPr lang="en-US" dirty="0"/>
+              <a:t> (Code) Demo</a:t>
+            </a:r>
+          </a:p>
+        </p:txBody>
+      </p:sp>
+      <p:sp>
+        <p:nvSpPr>
+          <p:cNvPr id="3" name="Text Placeholder 2">
+            <a:extLst>
+              <a:ext uri="{FF2B5EF4-FFF2-40B4-BE49-F238E27FC236}">
+                <a16:creationId xmlns:a16="http://schemas.microsoft.com/office/drawing/2014/main" id="{80BC3359-E7DC-7BF5-5759-698FCC2F1C16}"/>
+              </a:ext>
+            </a:extLst>
+          </p:cNvPr>
+          <p:cNvSpPr>
+            <a:spLocks noGrp="1"/>
+          </p:cNvSpPr>
+          <p:nvPr>
+            <p:ph type="body" idx="1"/>
+          </p:nvPr>
+        </p:nvSpPr>
+        <p:spPr/>
+        <p:txBody>
+          <a:bodyPr/>
+          <a:lstStyle/>
+          <a:p>
+            <a:endParaRPr lang="en-US" dirty="0"/>
+          </a:p>
+        </p:txBody>
+      </p:sp>
+    </p:spTree>
+    <p:extLst>
+      <p:ext uri="{BB962C8B-B14F-4D97-AF65-F5344CB8AC3E}">
+        <p14:creationId xmlns:p14="http://schemas.microsoft.com/office/powerpoint/2010/main" val="1737111726"/>
+      </p:ext>
+    </p:extLst>
+  </p:cSld>
+  <p:clrMapOvr>
+    <a:masterClrMapping/>
+  </p:clrMapOvr>
+</p:sld>
+</file>
+
+<file path=ppt/slides/slide11.xml><?xml version="1.0" encoding="utf-8"?>
+<p:sld xmlns:a="http://schemas.openxmlformats.org/drawingml/2006/main" xmlns:r="http://schemas.openxmlformats.org/officeDocument/2006/relationships" xmlns:p="http://schemas.openxmlformats.org/presentationml/2006/main">
+  <p:cSld>
+    <p:spTree>
+      <p:nvGrpSpPr>
+        <p:cNvPr id="1" name=""/>
+        <p:cNvGrpSpPr/>
+        <p:nvPr/>
+      </p:nvGrpSpPr>
+      <p:grpSpPr>
+        <a:xfrm>
+          <a:off x="0" y="0"/>
+          <a:ext cx="0" cy="0"/>
+          <a:chOff x="0" y="0"/>
+          <a:chExt cx="0" cy="0"/>
+        </a:xfrm>
+      </p:grpSpPr>
+      <p:sp>
+        <p:nvSpPr>
+          <p:cNvPr id="2" name="Title 1">
+            <a:extLst>
+              <a:ext uri="{FF2B5EF4-FFF2-40B4-BE49-F238E27FC236}">
+                <a16:creationId xmlns:a16="http://schemas.microsoft.com/office/drawing/2014/main" id="{37A345B7-3C28-238A-C99F-595726C9C849}"/>
+              </a:ext>
+            </a:extLst>
+          </p:cNvPr>
+          <p:cNvSpPr>
+            <a:spLocks noGrp="1"/>
+          </p:cNvSpPr>
+          <p:nvPr>
+            <p:ph type="title"/>
+          </p:nvPr>
+        </p:nvSpPr>
+        <p:spPr/>
+        <p:txBody>
+          <a:bodyPr/>
+          <a:lstStyle/>
+          <a:p>
+            <a:r>
+              <a:rPr lang="en-US" dirty="0"/>
+              <a:t>Software Pre-requisites</a:t>
+            </a:r>
+          </a:p>
+        </p:txBody>
+      </p:sp>
+      <p:sp>
+        <p:nvSpPr>
+          <p:cNvPr id="15" name="Text Placeholder 14">
+            <a:extLst>
+              <a:ext uri="{FF2B5EF4-FFF2-40B4-BE49-F238E27FC236}">
+                <a16:creationId xmlns:a16="http://schemas.microsoft.com/office/drawing/2014/main" id="{B303CC8B-9722-82E1-B2F2-77A24D7AA028}"/>
+              </a:ext>
+            </a:extLst>
+          </p:cNvPr>
+          <p:cNvSpPr>
+            <a:spLocks noGrp="1"/>
+          </p:cNvSpPr>
+          <p:nvPr>
+            <p:ph type="body" idx="1"/>
+          </p:nvPr>
+        </p:nvSpPr>
+        <p:spPr>
+          <a:xfrm>
+            <a:off x="343949" y="1681163"/>
+            <a:ext cx="5931016" cy="823912"/>
+          </a:xfrm>
+        </p:spPr>
+        <p:txBody>
+          <a:bodyPr/>
+          <a:lstStyle/>
+          <a:p>
+            <a:pPr algn="ctr"/>
+            <a:r>
+              <a:rPr lang="en-US" dirty="0"/>
+              <a:t>Integrated Development Environment (IDE)</a:t>
+            </a:r>
+          </a:p>
+        </p:txBody>
+      </p:sp>
+      <p:pic>
+        <p:nvPicPr>
+          <p:cNvPr id="11" name="Content Placeholder 10">
+            <a:extLst>
+              <a:ext uri="{FF2B5EF4-FFF2-40B4-BE49-F238E27FC236}">
+                <a16:creationId xmlns:a16="http://schemas.microsoft.com/office/drawing/2014/main" id="{53DC65BE-59E2-D505-8259-2A62DDA4BD99}"/>
+              </a:ext>
+            </a:extLst>
+          </p:cNvPr>
+          <p:cNvPicPr>
+            <a:picLocks noGrp="1" noChangeAspect="1"/>
+          </p:cNvPicPr>
+          <p:nvPr>
+            <p:ph sz="half" idx="2"/>
+          </p:nvPr>
+        </p:nvPicPr>
+        <p:blipFill>
+          <a:blip r:embed="rId2"/>
+          <a:stretch>
+            <a:fillRect/>
+          </a:stretch>
+        </p:blipFill>
+        <p:spPr>
+          <a:xfrm>
+            <a:off x="3613502" y="2894730"/>
+            <a:ext cx="2558697" cy="2849686"/>
+          </a:xfrm>
+        </p:spPr>
+      </p:pic>
+      <p:sp>
+        <p:nvSpPr>
+          <p:cNvPr id="14" name="TextBox 13">
+            <a:extLst>
+              <a:ext uri="{FF2B5EF4-FFF2-40B4-BE49-F238E27FC236}">
+                <a16:creationId xmlns:a16="http://schemas.microsoft.com/office/drawing/2014/main" id="{38BEBEF2-96EB-BDD7-1587-8E22E5380D15}"/>
+              </a:ext>
+            </a:extLst>
+          </p:cNvPr>
+          <p:cNvSpPr txBox="1"/>
+          <p:nvPr/>
+        </p:nvSpPr>
+        <p:spPr>
+          <a:xfrm>
+            <a:off x="7451492" y="5855904"/>
+            <a:ext cx="3646798" cy="646331"/>
+          </a:xfrm>
+          <a:prstGeom prst="rect">
+            <a:avLst/>
+          </a:prstGeom>
+          <a:noFill/>
+        </p:spPr>
+        <p:txBody>
+          <a:bodyPr wrap="square" rtlCol="0">
+            <a:spAutoFit/>
+          </a:bodyPr>
+          <a:lstStyle/>
+          <a:p>
+            <a:r>
+              <a:rPr lang="en-US" dirty="0">
+                <a:hlinkClick r:id="rId3"/>
+              </a:rPr>
+              <a:t>https://github.com/AdamWojtul28/Moffitt-Data-Analysis</a:t>
+            </a:r>
+            <a:endParaRPr lang="en-US" dirty="0"/>
+          </a:p>
+        </p:txBody>
+      </p:sp>
+      <p:sp>
+        <p:nvSpPr>
+          <p:cNvPr id="18" name="Text Placeholder 17">
+            <a:extLst>
+              <a:ext uri="{FF2B5EF4-FFF2-40B4-BE49-F238E27FC236}">
+                <a16:creationId xmlns:a16="http://schemas.microsoft.com/office/drawing/2014/main" id="{627C4536-D9D1-5A55-DD45-10DCBC57BE82}"/>
+              </a:ext>
+            </a:extLst>
+          </p:cNvPr>
+          <p:cNvSpPr txBox="1">
+            <a:spLocks noGrp="1"/>
+          </p:cNvSpPr>
+          <p:nvPr>
+            <p:ph type="body" sz="quarter" idx="3"/>
+          </p:nvPr>
+        </p:nvSpPr>
+        <p:spPr>
+          <a:xfrm>
+            <a:off x="6172199" y="2080343"/>
+            <a:ext cx="5653625" cy="424732"/>
+          </a:xfrm>
+          <a:prstGeom prst="rect">
+            <a:avLst/>
+          </a:prstGeom>
+          <a:noFill/>
+        </p:spPr>
+        <p:txBody>
+          <a:bodyPr wrap="square" rtlCol="0">
+            <a:spAutoFit/>
+          </a:bodyPr>
+          <a:lstStyle/>
+          <a:p>
+            <a:pPr algn="ctr"/>
+            <a:r>
+              <a:rPr lang="en-US" dirty="0" err="1"/>
+              <a:t>Github</a:t>
+            </a:r>
+            <a:r>
+              <a:rPr lang="en-US" dirty="0"/>
+              <a:t> QR Code</a:t>
+            </a:r>
+          </a:p>
+        </p:txBody>
+      </p:sp>
+      <p:pic>
+        <p:nvPicPr>
+          <p:cNvPr id="19" name="Content Placeholder 6" descr="A qr code on a white background&#10;&#10;Description automatically generated">
+            <a:extLst>
+              <a:ext uri="{FF2B5EF4-FFF2-40B4-BE49-F238E27FC236}">
+                <a16:creationId xmlns:a16="http://schemas.microsoft.com/office/drawing/2014/main" id="{DC1CDD4B-820A-F964-9D9F-B0BA3E43D780}"/>
+              </a:ext>
+            </a:extLst>
+          </p:cNvPr>
+          <p:cNvPicPr>
+            <a:picLocks noGrp="1" noChangeAspect="1"/>
+          </p:cNvPicPr>
+          <p:nvPr>
+            <p:ph sz="quarter" idx="4"/>
+          </p:nvPr>
+        </p:nvPicPr>
+        <p:blipFill rotWithShape="1">
+          <a:blip r:embed="rId4">
+            <a:extLst>
+              <a:ext uri="{28A0092B-C50C-407E-A947-70E740481C1C}">
+                <a14:useLocalDpi xmlns:a14="http://schemas.microsoft.com/office/drawing/2010/main" val="0"/>
+              </a:ext>
+            </a:extLst>
+          </a:blip>
+          <a:srcRect l="10031" t="10647" r="10122" b="9183"/>
+          <a:stretch/>
+        </p:blipFill>
+        <p:spPr>
+          <a:xfrm>
+            <a:off x="7664097" y="2925923"/>
+            <a:ext cx="2788920" cy="2800206"/>
+          </a:xfrm>
+          <a:prstGeom prst="rect">
+            <a:avLst/>
+          </a:prstGeom>
+        </p:spPr>
+      </p:pic>
+      <p:pic>
+        <p:nvPicPr>
+          <p:cNvPr id="1026" name="Picture 2" descr="Anaconda.org">
+            <a:extLst>
+              <a:ext uri="{FF2B5EF4-FFF2-40B4-BE49-F238E27FC236}">
+                <a16:creationId xmlns:a16="http://schemas.microsoft.com/office/drawing/2014/main" id="{62E460A4-595C-7155-EE59-304E024DB5B1}"/>
+              </a:ext>
+            </a:extLst>
+          </p:cNvPr>
+          <p:cNvPicPr>
+            <a:picLocks noChangeAspect="1" noChangeArrowheads="1"/>
+          </p:cNvPicPr>
+          <p:nvPr/>
+        </p:nvPicPr>
+        <p:blipFill>
+          <a:blip r:embed="rId5">
+            <a:extLst>
+              <a:ext uri="{28A0092B-C50C-407E-A947-70E740481C1C}">
+                <a14:useLocalDpi xmlns:a14="http://schemas.microsoft.com/office/drawing/2010/main" val="0"/>
+              </a:ext>
+            </a:extLst>
+          </a:blip>
+          <a:srcRect/>
+          <a:stretch>
+            <a:fillRect/>
+          </a:stretch>
+        </p:blipFill>
+        <p:spPr bwMode="auto">
+          <a:xfrm>
+            <a:off x="427840" y="2946877"/>
+            <a:ext cx="2812098" cy="2812098"/>
+          </a:xfrm>
+          <a:prstGeom prst="rect">
+            <a:avLst/>
+          </a:prstGeom>
+          <a:noFill/>
+          <a:extLst>
+            <a:ext uri="{909E8E84-426E-40DD-AFC4-6F175D3DCCD1}">
+              <a14:hiddenFill xmlns:a14="http://schemas.microsoft.com/office/drawing/2010/main">
+                <a:solidFill>
+                  <a:srgbClr val="FFFFFF"/>
+                </a:solidFill>
+              </a14:hiddenFill>
+            </a:ext>
+          </a:extLst>
+        </p:spPr>
+      </p:pic>
+      <p:sp>
+        <p:nvSpPr>
+          <p:cNvPr id="3" name="TextBox 2">
+            <a:extLst>
+              <a:ext uri="{FF2B5EF4-FFF2-40B4-BE49-F238E27FC236}">
+                <a16:creationId xmlns:a16="http://schemas.microsoft.com/office/drawing/2014/main" id="{7797FBA8-A414-9EC0-554D-DE63AFD0F341}"/>
+              </a:ext>
+            </a:extLst>
+          </p:cNvPr>
+          <p:cNvSpPr txBox="1"/>
+          <p:nvPr/>
+        </p:nvSpPr>
+        <p:spPr>
+          <a:xfrm>
+            <a:off x="427840" y="5855904"/>
+            <a:ext cx="5744359" cy="369332"/>
+          </a:xfrm>
+          <a:prstGeom prst="rect">
+            <a:avLst/>
+          </a:prstGeom>
+          <a:noFill/>
+        </p:spPr>
+        <p:txBody>
+          <a:bodyPr wrap="square" rtlCol="0">
+            <a:spAutoFit/>
+          </a:bodyPr>
+          <a:lstStyle/>
+          <a:p>
+            <a:pPr algn="ctr"/>
+            <a:r>
+              <a:rPr lang="en-US" dirty="0">
+                <a:hlinkClick r:id="rId6"/>
+              </a:rPr>
+              <a:t>https://www.anaconda.com/download/</a:t>
+            </a:r>
+            <a:endParaRPr lang="en-US" dirty="0"/>
+          </a:p>
+        </p:txBody>
+      </p:sp>
+    </p:spTree>
+    <p:extLst>
+      <p:ext uri="{BB962C8B-B14F-4D97-AF65-F5344CB8AC3E}">
+        <p14:creationId xmlns:p14="http://schemas.microsoft.com/office/powerpoint/2010/main" val="726834242"/>
+      </p:ext>
+    </p:extLst>
+  </p:cSld>
+  <p:clrMapOvr>
+    <a:masterClrMapping/>
+  </p:clrMapOvr>
+</p:sld>
+</file>
+
+<file path=ppt/slides/slide12.xml><?xml version="1.0" encoding="utf-8"?>
+<p:sld xmlns:a="http://schemas.openxmlformats.org/drawingml/2006/main" xmlns:r="http://schemas.openxmlformats.org/officeDocument/2006/relationships" xmlns:p="http://schemas.openxmlformats.org/presentationml/2006/main">
+  <p:cSld>
+    <p:spTree>
+      <p:nvGrpSpPr>
+        <p:cNvPr id="1" name=""/>
+        <p:cNvGrpSpPr/>
+        <p:nvPr/>
+      </p:nvGrpSpPr>
+      <p:grpSpPr>
+        <a:xfrm>
+          <a:off x="0" y="0"/>
+          <a:ext cx="0" cy="0"/>
+          <a:chOff x="0" y="0"/>
+          <a:chExt cx="0" cy="0"/>
+        </a:xfrm>
+      </p:grpSpPr>
+      <p:sp>
+        <p:nvSpPr>
+          <p:cNvPr id="2" name="Title 1">
+            <a:extLst>
+              <a:ext uri="{FF2B5EF4-FFF2-40B4-BE49-F238E27FC236}">
+                <a16:creationId xmlns:a16="http://schemas.microsoft.com/office/drawing/2014/main" id="{8F72BFDD-6053-F49E-F46D-943FB7E136A4}"/>
+              </a:ext>
+            </a:extLst>
+          </p:cNvPr>
+          <p:cNvSpPr>
+            <a:spLocks noGrp="1"/>
+          </p:cNvSpPr>
+          <p:nvPr>
+            <p:ph type="title"/>
+          </p:nvPr>
+        </p:nvSpPr>
+        <p:spPr/>
+        <p:txBody>
+          <a:bodyPr/>
+          <a:lstStyle/>
+          <a:p>
+            <a:r>
+              <a:rPr lang="en-US" dirty="0"/>
+              <a:t>Thank you</a:t>
+            </a:r>
+          </a:p>
+        </p:txBody>
+      </p:sp>
+      <p:sp>
+        <p:nvSpPr>
+          <p:cNvPr id="3" name="Text Placeholder 2">
+            <a:extLst>
+              <a:ext uri="{FF2B5EF4-FFF2-40B4-BE49-F238E27FC236}">
+                <a16:creationId xmlns:a16="http://schemas.microsoft.com/office/drawing/2014/main" id="{0827AF7B-B805-3D6C-0523-E537063A5D8B}"/>
+              </a:ext>
+            </a:extLst>
+          </p:cNvPr>
+          <p:cNvSpPr>
+            <a:spLocks noGrp="1"/>
+          </p:cNvSpPr>
+          <p:nvPr>
+            <p:ph type="body" idx="1"/>
+          </p:nvPr>
+        </p:nvSpPr>
+        <p:spPr/>
+        <p:txBody>
+          <a:bodyPr/>
+          <a:lstStyle/>
+          <a:p>
+            <a:r>
+              <a:rPr lang="en-US" dirty="0">
+                <a:solidFill>
+                  <a:schemeClr val="tx1"/>
+                </a:solidFill>
+              </a:rPr>
+              <a:t>Questions?</a:t>
+            </a:r>
+          </a:p>
+        </p:txBody>
+      </p:sp>
+      <p:pic>
+        <p:nvPicPr>
+          <p:cNvPr id="4" name="Picture 3" descr="A qr code on a white background&#10;&#10;Description automatically generated">
+            <a:extLst>
+              <a:ext uri="{FF2B5EF4-FFF2-40B4-BE49-F238E27FC236}">
+                <a16:creationId xmlns:a16="http://schemas.microsoft.com/office/drawing/2014/main" id="{93BF6ECA-2850-221C-5B4E-7AF343DBE8B1}"/>
+              </a:ext>
+            </a:extLst>
+          </p:cNvPr>
+          <p:cNvPicPr>
+            <a:picLocks noChangeAspect="1"/>
+          </p:cNvPicPr>
+          <p:nvPr/>
+        </p:nvPicPr>
+        <p:blipFill>
+          <a:blip r:embed="rId2">
+            <a:extLst>
+              <a:ext uri="{28A0092B-C50C-407E-A947-70E740481C1C}">
+                <a14:useLocalDpi xmlns:a14="http://schemas.microsoft.com/office/drawing/2010/main" val="0"/>
+              </a:ext>
+            </a:extLst>
+          </a:blip>
+          <a:stretch>
+            <a:fillRect/>
+          </a:stretch>
+        </p:blipFill>
+        <p:spPr>
+          <a:xfrm>
+            <a:off x="5107203" y="2084156"/>
+            <a:ext cx="2651760" cy="2651760"/>
+          </a:xfrm>
+          <a:prstGeom prst="rect">
+            <a:avLst/>
+          </a:prstGeom>
+        </p:spPr>
+      </p:pic>
+      <p:sp>
+        <p:nvSpPr>
+          <p:cNvPr id="5" name="TextBox 4">
+            <a:extLst>
+              <a:ext uri="{FF2B5EF4-FFF2-40B4-BE49-F238E27FC236}">
+                <a16:creationId xmlns:a16="http://schemas.microsoft.com/office/drawing/2014/main" id="{F40C4F57-1EB7-57D9-29DF-1308136B866D}"/>
+              </a:ext>
+            </a:extLst>
+          </p:cNvPr>
+          <p:cNvSpPr txBox="1"/>
+          <p:nvPr/>
+        </p:nvSpPr>
+        <p:spPr>
+          <a:xfrm>
+            <a:off x="5313495" y="1709738"/>
+            <a:ext cx="2239176" cy="369332"/>
+          </a:xfrm>
+          <a:prstGeom prst="rect">
+            <a:avLst/>
+          </a:prstGeom>
+          <a:noFill/>
+        </p:spPr>
+        <p:txBody>
+          <a:bodyPr wrap="square" rtlCol="0">
+            <a:spAutoFit/>
+          </a:bodyPr>
+          <a:lstStyle/>
+          <a:p>
+            <a:pPr algn="ctr"/>
+            <a:r>
+              <a:rPr lang="en-US" dirty="0"/>
+              <a:t>LinkedIn QR Code</a:t>
+            </a:r>
+          </a:p>
+        </p:txBody>
+      </p:sp>
+      <p:pic>
+        <p:nvPicPr>
+          <p:cNvPr id="6" name="Content Placeholder 6" descr="A qr code on a white background&#10;&#10;Description automatically generated">
+            <a:extLst>
+              <a:ext uri="{FF2B5EF4-FFF2-40B4-BE49-F238E27FC236}">
+                <a16:creationId xmlns:a16="http://schemas.microsoft.com/office/drawing/2014/main" id="{AD8F11F3-43F3-7491-BC19-D5892F0A5087}"/>
+              </a:ext>
+            </a:extLst>
+          </p:cNvPr>
+          <p:cNvPicPr>
+            <a:picLocks noChangeAspect="1"/>
+          </p:cNvPicPr>
+          <p:nvPr/>
+        </p:nvPicPr>
+        <p:blipFill>
+          <a:blip r:embed="rId3">
+            <a:extLst>
+              <a:ext uri="{28A0092B-C50C-407E-A947-70E740481C1C}">
+                <a14:useLocalDpi xmlns:a14="http://schemas.microsoft.com/office/drawing/2010/main" val="0"/>
+              </a:ext>
+            </a:extLst>
+          </a:blip>
+          <a:stretch>
+            <a:fillRect/>
+          </a:stretch>
+        </p:blipFill>
+        <p:spPr>
+          <a:xfrm>
+            <a:off x="8922429" y="2084156"/>
+            <a:ext cx="2651760" cy="2651760"/>
+          </a:xfrm>
+          <a:prstGeom prst="rect">
+            <a:avLst/>
+          </a:prstGeom>
+        </p:spPr>
+      </p:pic>
+      <p:sp>
+        <p:nvSpPr>
+          <p:cNvPr id="7" name="TextBox 6">
+            <a:extLst>
+              <a:ext uri="{FF2B5EF4-FFF2-40B4-BE49-F238E27FC236}">
+                <a16:creationId xmlns:a16="http://schemas.microsoft.com/office/drawing/2014/main" id="{D494A84A-46A6-2889-9355-45ECD462EFA4}"/>
+              </a:ext>
+            </a:extLst>
+          </p:cNvPr>
+          <p:cNvSpPr txBox="1"/>
+          <p:nvPr/>
+        </p:nvSpPr>
+        <p:spPr>
+          <a:xfrm>
+            <a:off x="9128721" y="1701330"/>
+            <a:ext cx="2239176" cy="369332"/>
+          </a:xfrm>
+          <a:prstGeom prst="rect">
+            <a:avLst/>
+          </a:prstGeom>
+          <a:noFill/>
+        </p:spPr>
+        <p:txBody>
+          <a:bodyPr wrap="square" rtlCol="0">
+            <a:spAutoFit/>
+          </a:bodyPr>
+          <a:lstStyle/>
+          <a:p>
+            <a:pPr algn="ctr"/>
+            <a:r>
+              <a:rPr lang="en-US" dirty="0" err="1"/>
+              <a:t>Github</a:t>
+            </a:r>
+            <a:r>
+              <a:rPr lang="en-US" dirty="0"/>
+              <a:t> QR Code</a:t>
+            </a:r>
+          </a:p>
+        </p:txBody>
+      </p:sp>
+      <p:sp>
+        <p:nvSpPr>
+          <p:cNvPr id="8" name="TextBox 7">
+            <a:extLst>
+              <a:ext uri="{FF2B5EF4-FFF2-40B4-BE49-F238E27FC236}">
+                <a16:creationId xmlns:a16="http://schemas.microsoft.com/office/drawing/2014/main" id="{F57239FF-5D4A-76B6-F9A1-E23715F3480C}"/>
+              </a:ext>
+            </a:extLst>
+          </p:cNvPr>
+          <p:cNvSpPr txBox="1"/>
+          <p:nvPr/>
+        </p:nvSpPr>
+        <p:spPr>
+          <a:xfrm>
+            <a:off x="5107203" y="4739391"/>
+            <a:ext cx="2651760" cy="1200329"/>
+          </a:xfrm>
+          <a:prstGeom prst="rect">
+            <a:avLst/>
+          </a:prstGeom>
+          <a:noFill/>
+        </p:spPr>
+        <p:txBody>
+          <a:bodyPr wrap="square" rtlCol="0">
+            <a:spAutoFit/>
+          </a:bodyPr>
+          <a:lstStyle/>
+          <a:p>
+            <a:pPr algn="ctr"/>
+            <a:r>
+              <a:rPr lang="en-US" b="0" i="0" dirty="0">
+                <a:effectLst/>
+                <a:latin typeface="-apple-system"/>
+                <a:hlinkClick r:id="rId4"/>
+              </a:rPr>
+              <a:t>www.linkedin.com/in/adam-wojtulewski-420522248</a:t>
+            </a:r>
+            <a:endParaRPr lang="en-US" b="0" i="0" dirty="0">
+              <a:effectLst/>
+              <a:latin typeface="-apple-system"/>
+            </a:endParaRPr>
+          </a:p>
+          <a:p>
+            <a:pPr algn="ctr"/>
+            <a:endParaRPr lang="en-US" dirty="0"/>
+          </a:p>
+        </p:txBody>
+      </p:sp>
+      <p:sp>
+        <p:nvSpPr>
+          <p:cNvPr id="9" name="TextBox 8">
+            <a:extLst>
+              <a:ext uri="{FF2B5EF4-FFF2-40B4-BE49-F238E27FC236}">
+                <a16:creationId xmlns:a16="http://schemas.microsoft.com/office/drawing/2014/main" id="{63E3D574-FDB7-E079-A145-8128817AB9E7}"/>
+              </a:ext>
+            </a:extLst>
+          </p:cNvPr>
+          <p:cNvSpPr txBox="1"/>
+          <p:nvPr/>
+        </p:nvSpPr>
+        <p:spPr>
+          <a:xfrm>
+            <a:off x="8922429" y="4825096"/>
+            <a:ext cx="2651760" cy="923330"/>
+          </a:xfrm>
+          <a:prstGeom prst="rect">
+            <a:avLst/>
+          </a:prstGeom>
+          <a:noFill/>
+        </p:spPr>
+        <p:txBody>
+          <a:bodyPr wrap="square" rtlCol="0">
+            <a:spAutoFit/>
+          </a:bodyPr>
+          <a:lstStyle/>
+          <a:p>
+            <a:pPr algn="ctr"/>
+            <a:r>
+              <a:rPr lang="en-US" dirty="0">
+                <a:hlinkClick r:id="rId5"/>
+              </a:rPr>
+              <a:t>https://github.com/AdamWojtul28/Moffitt-Data-Analysis</a:t>
+            </a:r>
+            <a:endParaRPr lang="en-US" dirty="0"/>
+          </a:p>
+        </p:txBody>
+      </p:sp>
+    </p:spTree>
+    <p:extLst>
+      <p:ext uri="{BB962C8B-B14F-4D97-AF65-F5344CB8AC3E}">
+        <p14:creationId xmlns:p14="http://schemas.microsoft.com/office/powerpoint/2010/main" val="754003316"/>
+      </p:ext>
+    </p:extLst>
+  </p:cSld>
+  <p:clrMapOvr>
+    <a:masterClrMapping/>
+  </p:clrMapOvr>
+</p:sld>
+</file>
+
+<file path=ppt/slides/slide13.xml><?xml version="1.0" encoding="utf-8"?>
+<p:sld xmlns:a="http://schemas.openxmlformats.org/drawingml/2006/main" xmlns:r="http://schemas.openxmlformats.org/officeDocument/2006/relationships" xmlns:p="http://schemas.openxmlformats.org/presentationml/2006/main">
+  <p:cSld>
+    <p:spTree>
+      <p:nvGrpSpPr>
+        <p:cNvPr id="1" name=""/>
+        <p:cNvGrpSpPr/>
+        <p:nvPr/>
+      </p:nvGrpSpPr>
+      <p:grpSpPr>
+        <a:xfrm>
+          <a:off x="0" y="0"/>
+          <a:ext cx="0" cy="0"/>
+          <a:chOff x="0" y="0"/>
+          <a:chExt cx="0" cy="0"/>
+        </a:xfrm>
+      </p:grpSpPr>
+      <p:sp>
+        <p:nvSpPr>
+          <p:cNvPr id="2" name="Title 1">
+            <a:extLst>
+              <a:ext uri="{FF2B5EF4-FFF2-40B4-BE49-F238E27FC236}">
+                <a16:creationId xmlns:a16="http://schemas.microsoft.com/office/drawing/2014/main" id="{6A1ECEA1-0DAD-23F9-A440-64747EFB2435}"/>
+              </a:ext>
+            </a:extLst>
+          </p:cNvPr>
+          <p:cNvSpPr>
+            <a:spLocks noGrp="1"/>
+          </p:cNvSpPr>
+          <p:nvPr>
+            <p:ph type="title"/>
+          </p:nvPr>
+        </p:nvSpPr>
+        <p:spPr/>
+        <p:txBody>
+          <a:bodyPr/>
+          <a:lstStyle/>
+          <a:p>
+            <a:r>
+              <a:rPr lang="pl-PL" dirty="0" err="1"/>
+              <a:t>Sources</a:t>
+            </a:r>
+            <a:r>
+              <a:rPr lang="pl-PL" dirty="0"/>
+              <a:t> </a:t>
+            </a:r>
+            <a:r>
+              <a:rPr lang="pl-PL" dirty="0" err="1"/>
+              <a:t>Consulted</a:t>
+            </a:r>
+            <a:endParaRPr lang="en-US" dirty="0"/>
+          </a:p>
+        </p:txBody>
+      </p:sp>
+      <p:sp>
+        <p:nvSpPr>
+          <p:cNvPr id="3" name="Content Placeholder 2">
+            <a:extLst>
+              <a:ext uri="{FF2B5EF4-FFF2-40B4-BE49-F238E27FC236}">
+                <a16:creationId xmlns:a16="http://schemas.microsoft.com/office/drawing/2014/main" id="{77E4E8C1-4C47-CE30-C0FD-A803D99E0D30}"/>
+              </a:ext>
+            </a:extLst>
+          </p:cNvPr>
+          <p:cNvSpPr>
+            <a:spLocks noGrp="1"/>
+          </p:cNvSpPr>
+          <p:nvPr>
+            <p:ph idx="1"/>
+          </p:nvPr>
+        </p:nvSpPr>
+        <p:spPr/>
+        <p:txBody>
+          <a:bodyPr/>
+          <a:lstStyle/>
+          <a:p>
+            <a:r>
+              <a:rPr lang="en-US" dirty="0">
+                <a:hlinkClick r:id="rId2"/>
+              </a:rPr>
+              <a:t>https://pyimagesearch.com/2019/01/07/auto-keras-and-automl-a-getting-started-guide/#:~:text=Both%20Google%27s%20AutoML%20and%20Auto,optimal%20architecture%20and%20corresponding%20parameters</a:t>
+            </a:r>
+            <a:r>
+              <a:rPr lang="en-US" dirty="0"/>
+              <a:t>.</a:t>
+            </a:r>
+            <a:endParaRPr lang="pl-PL" dirty="0"/>
+          </a:p>
+          <a:p>
+            <a:r>
+              <a:rPr lang="en-US" dirty="0">
+                <a:hlinkClick r:id="rId3"/>
+              </a:rPr>
+              <a:t>https://arxiv.org/abs/1611.01578</a:t>
+            </a:r>
+            <a:endParaRPr lang="en-US" dirty="0"/>
+          </a:p>
+          <a:p>
+            <a:r>
+              <a:rPr lang="pl-PL" dirty="0">
+                <a:hlinkClick r:id="rId4"/>
+              </a:rPr>
+              <a:t>https://chat.openai.com/share/b3afe850-689e-4b06-9ca7-8bc5772d9e5c</a:t>
+            </a:r>
+            <a:endParaRPr lang="en-US" dirty="0"/>
+          </a:p>
+          <a:p>
+            <a:r>
+              <a:rPr lang="pl-PL" dirty="0">
+                <a:hlinkClick r:id="rId5"/>
+              </a:rPr>
+              <a:t>https://stackoverflow.com/questions/43755293/what-does-dense-do</a:t>
+            </a:r>
+            <a:endParaRPr lang="en-US" dirty="0"/>
+          </a:p>
+          <a:p>
+            <a:endParaRPr lang="pl-PL" dirty="0"/>
+          </a:p>
+          <a:p>
+            <a:endParaRPr lang="en-US" dirty="0"/>
+          </a:p>
+        </p:txBody>
+      </p:sp>
+    </p:spTree>
+    <p:extLst>
+      <p:ext uri="{BB962C8B-B14F-4D97-AF65-F5344CB8AC3E}">
+        <p14:creationId xmlns:p14="http://schemas.microsoft.com/office/powerpoint/2010/main" val="2683376264"/>
       </p:ext>
     </p:extLst>
   </p:cSld>
@@ -4317,12 +5159,50 @@
           <a:p>
             <a:r>
               <a:rPr lang="en-US" dirty="0"/>
-              <a:t>My Introduction to </a:t>
+              <a:t>How does </a:t>
             </a:r>
             <a:r>
               <a:rPr lang="en-US" dirty="0" err="1"/>
               <a:t>AutoKeras</a:t>
             </a:r>
+            <a:r>
+              <a:rPr lang="en-US" dirty="0"/>
+              <a:t> work?</a:t>
+            </a:r>
+          </a:p>
+        </p:txBody>
+      </p:sp>
+      <p:sp>
+        <p:nvSpPr>
+          <p:cNvPr id="7" name="Content Placeholder 6">
+            <a:extLst>
+              <a:ext uri="{FF2B5EF4-FFF2-40B4-BE49-F238E27FC236}">
+                <a16:creationId xmlns:a16="http://schemas.microsoft.com/office/drawing/2014/main" id="{AE746957-16F8-347A-E6BE-6CA10F8FD3F1}"/>
+              </a:ext>
+            </a:extLst>
+          </p:cNvPr>
+          <p:cNvSpPr>
+            <a:spLocks noGrp="1"/>
+          </p:cNvSpPr>
+          <p:nvPr>
+            <p:ph sz="half" idx="1"/>
+          </p:nvPr>
+        </p:nvSpPr>
+        <p:spPr/>
+        <p:txBody>
+          <a:bodyPr/>
+          <a:lstStyle/>
+          <a:p>
+            <a:r>
+              <a:rPr lang="en-US" dirty="0"/>
+              <a:t>Employs a </a:t>
+            </a:r>
+            <a:r>
+              <a:rPr lang="en-US" b="0" dirty="0"/>
+              <a:t>Neural Architecture Search (NAS) algorithm that selects the most optimal architecture and corresponding parameters over its multiple iterations</a:t>
+            </a:r>
+          </a:p>
+          <a:p>
             <a:endParaRPr lang="en-US" dirty="0"/>
           </a:p>
         </p:txBody>
@@ -4340,82 +5220,83 @@
             <a:spLocks noGrp="1"/>
           </p:cNvSpPr>
           <p:nvPr>
-            <p:ph type="body" idx="1"/>
+            <p:ph sz="half" idx="2"/>
           </p:nvPr>
         </p:nvSpPr>
         <p:spPr/>
         <p:txBody>
-          <a:bodyPr anchor="t"/>
-          <a:lstStyle/>
-          <a:p>
-            <a:r>
-              <a:rPr lang="en-US" dirty="0">
-                <a:hlinkClick r:id="rId2"/>
+          <a:bodyPr anchor="t">
+            <a:normAutofit/>
+          </a:bodyPr>
+          <a:lstStyle/>
+          <a:p>
+            <a:pPr marL="0" indent="0">
+              <a:buNone/>
+            </a:pPr>
+            <a:r>
+              <a:rPr lang="en-US" b="0" i="0" dirty="0">
+                <a:solidFill>
+                  <a:srgbClr val="051E50"/>
+                </a:solidFill>
+                <a:effectLst/>
+                <a:latin typeface="proxima-nova"/>
               </a:rPr>
-              <a:t>https://autokeras.com/</a:t>
-            </a:r>
-            <a:endParaRPr lang="en-US" dirty="0"/>
-          </a:p>
-        </p:txBody>
-      </p:sp>
-      <p:pic>
-        <p:nvPicPr>
-          <p:cNvPr id="8" name="Content Placeholder 7">
-            <a:extLst>
-              <a:ext uri="{FF2B5EF4-FFF2-40B4-BE49-F238E27FC236}">
-                <a16:creationId xmlns:a16="http://schemas.microsoft.com/office/drawing/2014/main" id="{7CFD15C7-0F18-A808-4A06-C472F29B9BEA}"/>
-              </a:ext>
-            </a:extLst>
-          </p:cNvPr>
-          <p:cNvPicPr>
-            <a:picLocks noGrp="1" noChangeAspect="1"/>
-          </p:cNvPicPr>
-          <p:nvPr>
-            <p:ph sz="half" idx="2"/>
-          </p:nvPr>
-        </p:nvPicPr>
-        <p:blipFill>
-          <a:blip r:embed="rId3"/>
-          <a:stretch>
-            <a:fillRect/>
-          </a:stretch>
-        </p:blipFill>
-        <p:spPr>
-          <a:xfrm>
-            <a:off x="2116049" y="2505075"/>
-            <a:ext cx="2605264" cy="3684588"/>
-          </a:xfrm>
-        </p:spPr>
-      </p:pic>
-      <p:pic>
-        <p:nvPicPr>
-          <p:cNvPr id="16" name="Content Placeholder 15">
-            <a:extLst>
-              <a:ext uri="{FF2B5EF4-FFF2-40B4-BE49-F238E27FC236}">
-                <a16:creationId xmlns:a16="http://schemas.microsoft.com/office/drawing/2014/main" id="{94555EDF-8DBB-5EF9-2163-5E314C12203A}"/>
-              </a:ext>
-            </a:extLst>
-          </p:cNvPr>
-          <p:cNvPicPr>
-            <a:picLocks noGrp="1" noChangeAspect="1"/>
-          </p:cNvPicPr>
-          <p:nvPr>
-            <p:ph sz="quarter" idx="4"/>
-          </p:nvPr>
-        </p:nvPicPr>
-        <p:blipFill>
-          <a:blip r:embed="rId4"/>
-          <a:stretch>
-            <a:fillRect/>
-          </a:stretch>
-        </p:blipFill>
-        <p:spPr>
-          <a:xfrm>
-            <a:off x="7878937" y="1254443"/>
-            <a:ext cx="2895178" cy="5455930"/>
-          </a:xfrm>
-        </p:spPr>
-      </p:pic>
+              <a:t>How NAS works:</a:t>
+            </a:r>
+          </a:p>
+          <a:p>
+            <a:pPr lvl="1">
+              <a:buFont typeface="+mj-lt"/>
+              <a:buAutoNum type="arabicPeriod"/>
+            </a:pPr>
+            <a:r>
+              <a:rPr lang="en-US" b="0" dirty="0">
+                <a:solidFill>
+                  <a:srgbClr val="051E50"/>
+                </a:solidFill>
+                <a:effectLst/>
+                <a:latin typeface="proxima-nova"/>
+              </a:rPr>
+              <a:t>Accept an input training dataset</a:t>
+            </a:r>
+          </a:p>
+          <a:p>
+            <a:pPr lvl="1">
+              <a:buFont typeface="+mj-lt"/>
+              <a:buAutoNum type="arabicPeriod"/>
+            </a:pPr>
+            <a:r>
+              <a:rPr lang="en-US" b="0" dirty="0">
+                <a:solidFill>
+                  <a:srgbClr val="051E50"/>
+                </a:solidFill>
+                <a:effectLst/>
+                <a:latin typeface="proxima-nova"/>
+              </a:rPr>
+              <a:t>Optimize and find architectural building blocks (cells), which are automatically learned and may look similar to inception, residual, or squeeze/fire micro-architectures</a:t>
+            </a:r>
+          </a:p>
+          <a:p>
+            <a:pPr lvl="1">
+              <a:buFont typeface="+mj-lt"/>
+              <a:buAutoNum type="arabicPeriod"/>
+            </a:pPr>
+            <a:r>
+              <a:rPr lang="en-US" b="0" dirty="0">
+                <a:solidFill>
+                  <a:srgbClr val="051E50"/>
+                </a:solidFill>
+                <a:effectLst/>
+                <a:latin typeface="proxima-nova"/>
+              </a:rPr>
+              <a:t>Continually train and search for more optimized cells</a:t>
+            </a:r>
+          </a:p>
+          <a:p>
+            <a:endParaRPr lang="en-US" b="0" dirty="0"/>
+          </a:p>
+        </p:txBody>
+      </p:sp>
     </p:spTree>
     <p:extLst>
       <p:ext uri="{BB962C8B-B14F-4D97-AF65-F5344CB8AC3E}">
@@ -5073,7 +5954,13 @@
           <a:p>
             <a:r>
               <a:rPr lang="en-US" dirty="0"/>
-              <a:t>Mid-70 percent performance for both str and float32 values</a:t>
+              <a:t>60-80 percent performance for both str and float32 values</a:t>
+            </a:r>
+          </a:p>
+          <a:p>
+            <a:r>
+              <a:rPr lang="en-US" dirty="0"/>
+              <a:t>Average performance comparable to Random Forest Classification from Scikit Learn</a:t>
             </a:r>
           </a:p>
         </p:txBody>
@@ -5229,7 +6116,7 @@
           <p:cNvPr id="2" name="Title 1">
             <a:extLst>
               <a:ext uri="{FF2B5EF4-FFF2-40B4-BE49-F238E27FC236}">
-                <a16:creationId xmlns:a16="http://schemas.microsoft.com/office/drawing/2014/main" id="{37A345B7-3C28-238A-C99F-595726C9C849}"/>
+                <a16:creationId xmlns:a16="http://schemas.microsoft.com/office/drawing/2014/main" id="{A7934C87-A021-835B-569B-D84B100EBB8F}"/>
               </a:ext>
             </a:extLst>
           </p:cNvPr>
@@ -5246,287 +6133,172 @@
           <a:lstStyle/>
           <a:p>
             <a:r>
-              <a:rPr lang="pl-PL" dirty="0" err="1"/>
-              <a:t>Running</a:t>
-            </a:r>
-            <a:r>
-              <a:rPr lang="pl-PL" dirty="0"/>
-              <a:t> my </a:t>
-            </a:r>
-            <a:r>
-              <a:rPr lang="pl-PL" dirty="0" err="1"/>
-              <a:t>code</a:t>
+              <a:rPr lang="en-US" dirty="0"/>
+              <a:t>Applications</a:t>
+            </a:r>
+          </a:p>
+        </p:txBody>
+      </p:sp>
+      <p:sp>
+        <p:nvSpPr>
+          <p:cNvPr id="11" name="Text Placeholder 10">
+            <a:extLst>
+              <a:ext uri="{FF2B5EF4-FFF2-40B4-BE49-F238E27FC236}">
+                <a16:creationId xmlns:a16="http://schemas.microsoft.com/office/drawing/2014/main" id="{7CB10C62-9E44-53A8-04AD-8F96D55360B6}"/>
+              </a:ext>
+            </a:extLst>
+          </p:cNvPr>
+          <p:cNvSpPr>
+            <a:spLocks noGrp="1"/>
+          </p:cNvSpPr>
+          <p:nvPr>
+            <p:ph type="body" idx="1"/>
+          </p:nvPr>
+        </p:nvSpPr>
+        <p:spPr/>
+        <p:txBody>
+          <a:bodyPr anchor="t"/>
+          <a:lstStyle/>
+          <a:p>
+            <a:r>
+              <a:rPr lang="en-US" dirty="0"/>
+              <a:t>Immediate Use</a:t>
+            </a:r>
+          </a:p>
+        </p:txBody>
+      </p:sp>
+      <p:sp>
+        <p:nvSpPr>
+          <p:cNvPr id="12" name="Content Placeholder 11">
+            <a:extLst>
+              <a:ext uri="{FF2B5EF4-FFF2-40B4-BE49-F238E27FC236}">
+                <a16:creationId xmlns:a16="http://schemas.microsoft.com/office/drawing/2014/main" id="{77D66529-42C3-CD0E-C1C2-E4C1B9887FB3}"/>
+              </a:ext>
+            </a:extLst>
+          </p:cNvPr>
+          <p:cNvSpPr>
+            <a:spLocks noGrp="1"/>
+          </p:cNvSpPr>
+          <p:nvPr>
+            <p:ph sz="half" idx="2"/>
+          </p:nvPr>
+        </p:nvSpPr>
+        <p:spPr/>
+        <p:txBody>
+          <a:bodyPr/>
+          <a:lstStyle/>
+          <a:p>
+            <a:r>
+              <a:rPr lang="en-US" dirty="0">
+                <a:solidFill>
+                  <a:srgbClr val="000000"/>
+                </a:solidFill>
+              </a:rPr>
+              <a:t>“</a:t>
+            </a:r>
+            <a:r>
+              <a:rPr lang="en-US" b="0" i="0" dirty="0">
+                <a:solidFill>
+                  <a:srgbClr val="000000"/>
+                </a:solidFill>
+                <a:effectLst/>
+              </a:rPr>
+              <a:t>can design a novel network architecture that rivals the best human-invented architecture in terms of test set accuracy”</a:t>
             </a:r>
             <a:endParaRPr lang="en-US" dirty="0"/>
           </a:p>
-        </p:txBody>
-      </p:sp>
-      <p:sp>
-        <p:nvSpPr>
-          <p:cNvPr id="15" name="Text Placeholder 14">
-            <a:extLst>
-              <a:ext uri="{FF2B5EF4-FFF2-40B4-BE49-F238E27FC236}">
-                <a16:creationId xmlns:a16="http://schemas.microsoft.com/office/drawing/2014/main" id="{B303CC8B-9722-82E1-B2F2-77A24D7AA028}"/>
-              </a:ext>
-            </a:extLst>
-          </p:cNvPr>
-          <p:cNvSpPr>
-            <a:spLocks noGrp="1"/>
-          </p:cNvSpPr>
-          <p:nvPr>
-            <p:ph type="body" idx="1"/>
-          </p:nvPr>
-        </p:nvSpPr>
-        <p:spPr>
-          <a:xfrm>
-            <a:off x="343949" y="1681163"/>
-            <a:ext cx="5931016" cy="823912"/>
-          </a:xfrm>
-        </p:spPr>
-        <p:txBody>
-          <a:bodyPr/>
-          <a:lstStyle/>
-          <a:p>
-            <a:pPr algn="ctr"/>
+          <a:p>
+            <a:endParaRPr lang="en-US" dirty="0"/>
+          </a:p>
+        </p:txBody>
+      </p:sp>
+      <p:sp>
+        <p:nvSpPr>
+          <p:cNvPr id="5" name="Text Placeholder 4">
+            <a:extLst>
+              <a:ext uri="{FF2B5EF4-FFF2-40B4-BE49-F238E27FC236}">
+                <a16:creationId xmlns:a16="http://schemas.microsoft.com/office/drawing/2014/main" id="{30F3933B-14E0-DAEE-D4B8-1124FC691D39}"/>
+              </a:ext>
+            </a:extLst>
+          </p:cNvPr>
+          <p:cNvSpPr>
+            <a:spLocks noGrp="1"/>
+          </p:cNvSpPr>
+          <p:nvPr>
+            <p:ph type="body" sz="quarter" idx="3"/>
+          </p:nvPr>
+        </p:nvSpPr>
+        <p:spPr/>
+        <p:txBody>
+          <a:bodyPr anchor="t"/>
+          <a:lstStyle/>
+          <a:p>
             <a:r>
               <a:rPr lang="en-US" dirty="0"/>
-              <a:t>Integrated Development Environment (IDE)</a:t>
-            </a:r>
-          </a:p>
-        </p:txBody>
-      </p:sp>
-      <p:pic>
-        <p:nvPicPr>
-          <p:cNvPr id="11" name="Content Placeholder 10">
-            <a:extLst>
-              <a:ext uri="{FF2B5EF4-FFF2-40B4-BE49-F238E27FC236}">
-                <a16:creationId xmlns:a16="http://schemas.microsoft.com/office/drawing/2014/main" id="{53DC65BE-59E2-D505-8259-2A62DDA4BD99}"/>
-              </a:ext>
-            </a:extLst>
-          </p:cNvPr>
-          <p:cNvPicPr>
-            <a:picLocks noGrp="1" noChangeAspect="1"/>
-          </p:cNvPicPr>
-          <p:nvPr>
-            <p:ph sz="half" idx="2"/>
-          </p:nvPr>
-        </p:nvPicPr>
-        <p:blipFill>
-          <a:blip r:embed="rId2"/>
-          <a:stretch>
-            <a:fillRect/>
-          </a:stretch>
-        </p:blipFill>
-        <p:spPr>
-          <a:xfrm>
-            <a:off x="3613502" y="2894730"/>
-            <a:ext cx="2558697" cy="2849686"/>
-          </a:xfrm>
-        </p:spPr>
-      </p:pic>
-      <p:sp>
-        <p:nvSpPr>
-          <p:cNvPr id="14" name="TextBox 13">
-            <a:extLst>
-              <a:ext uri="{FF2B5EF4-FFF2-40B4-BE49-F238E27FC236}">
-                <a16:creationId xmlns:a16="http://schemas.microsoft.com/office/drawing/2014/main" id="{38BEBEF2-96EB-BDD7-1587-8E22E5380D15}"/>
-              </a:ext>
-            </a:extLst>
-          </p:cNvPr>
-          <p:cNvSpPr txBox="1"/>
-          <p:nvPr/>
-        </p:nvSpPr>
-        <p:spPr>
-          <a:xfrm>
-            <a:off x="7451492" y="5855904"/>
-            <a:ext cx="3646798" cy="646331"/>
-          </a:xfrm>
-          <a:prstGeom prst="rect">
-            <a:avLst/>
-          </a:prstGeom>
-          <a:noFill/>
-        </p:spPr>
-        <p:txBody>
-          <a:bodyPr wrap="square" rtlCol="0">
-            <a:spAutoFit/>
-          </a:bodyPr>
-          <a:lstStyle/>
-          <a:p>
-            <a:r>
-              <a:rPr lang="en-US" dirty="0"/>
-              <a:t>https://github.com/AdamWojtul28/Moffitt-Data-Analysis</a:t>
-            </a:r>
-          </a:p>
-        </p:txBody>
-      </p:sp>
-      <p:sp>
-        <p:nvSpPr>
-          <p:cNvPr id="18" name="Text Placeholder 17">
-            <a:extLst>
-              <a:ext uri="{FF2B5EF4-FFF2-40B4-BE49-F238E27FC236}">
-                <a16:creationId xmlns:a16="http://schemas.microsoft.com/office/drawing/2014/main" id="{627C4536-D9D1-5A55-DD45-10DCBC57BE82}"/>
-              </a:ext>
-            </a:extLst>
-          </p:cNvPr>
-          <p:cNvSpPr txBox="1">
-            <a:spLocks noGrp="1"/>
-          </p:cNvSpPr>
-          <p:nvPr>
-            <p:ph type="body" sz="quarter" idx="3"/>
-          </p:nvPr>
-        </p:nvSpPr>
-        <p:spPr>
-          <a:xfrm>
-            <a:off x="6172199" y="2080343"/>
-            <a:ext cx="5653625" cy="424732"/>
-          </a:xfrm>
-          <a:prstGeom prst="rect">
-            <a:avLst/>
-          </a:prstGeom>
-          <a:noFill/>
-        </p:spPr>
-        <p:txBody>
-          <a:bodyPr wrap="square" rtlCol="0">
-            <a:spAutoFit/>
-          </a:bodyPr>
-          <a:lstStyle/>
-          <a:p>
-            <a:pPr algn="ctr"/>
-            <a:r>
-              <a:rPr lang="en-US" dirty="0" err="1"/>
-              <a:t>Github</a:t>
-            </a:r>
-            <a:r>
-              <a:rPr lang="en-US" dirty="0"/>
-              <a:t> QR Code</a:t>
-            </a:r>
-          </a:p>
-        </p:txBody>
-      </p:sp>
-      <p:pic>
-        <p:nvPicPr>
-          <p:cNvPr id="19" name="Content Placeholder 6" descr="A qr code on a white background&#10;&#10;Description automatically generated">
-            <a:extLst>
-              <a:ext uri="{FF2B5EF4-FFF2-40B4-BE49-F238E27FC236}">
-                <a16:creationId xmlns:a16="http://schemas.microsoft.com/office/drawing/2014/main" id="{DC1CDD4B-820A-F964-9D9F-B0BA3E43D780}"/>
-              </a:ext>
-            </a:extLst>
-          </p:cNvPr>
-          <p:cNvPicPr>
-            <a:picLocks noGrp="1" noChangeAspect="1"/>
-          </p:cNvPicPr>
+              <a:t>Hybrid Approach</a:t>
+            </a:r>
+          </a:p>
+        </p:txBody>
+      </p:sp>
+      <p:sp>
+        <p:nvSpPr>
+          <p:cNvPr id="6" name="Content Placeholder 5">
+            <a:extLst>
+              <a:ext uri="{FF2B5EF4-FFF2-40B4-BE49-F238E27FC236}">
+                <a16:creationId xmlns:a16="http://schemas.microsoft.com/office/drawing/2014/main" id="{89058C60-24D3-B887-BAAB-4EC697883194}"/>
+              </a:ext>
+            </a:extLst>
+          </p:cNvPr>
+          <p:cNvSpPr>
+            <a:spLocks noGrp="1"/>
+          </p:cNvSpPr>
           <p:nvPr>
             <p:ph sz="quarter" idx="4"/>
           </p:nvPr>
-        </p:nvPicPr>
-        <p:blipFill rotWithShape="1">
-          <a:blip r:embed="rId3">
-            <a:extLst>
-              <a:ext uri="{28A0092B-C50C-407E-A947-70E740481C1C}">
-                <a14:useLocalDpi xmlns:a14="http://schemas.microsoft.com/office/drawing/2010/main" val="0"/>
-              </a:ext>
-            </a:extLst>
-          </a:blip>
-          <a:srcRect l="10031" t="10647" r="10122" b="9183"/>
-          <a:stretch/>
-        </p:blipFill>
-        <p:spPr>
-          <a:xfrm>
-            <a:off x="7664097" y="2925923"/>
-            <a:ext cx="2788920" cy="2800206"/>
-          </a:xfrm>
-          <a:prstGeom prst="rect">
-            <a:avLst/>
-          </a:prstGeom>
-        </p:spPr>
-      </p:pic>
-      <p:pic>
-        <p:nvPicPr>
-          <p:cNvPr id="1026" name="Picture 2" descr="Anaconda.org">
-            <a:extLst>
-              <a:ext uri="{FF2B5EF4-FFF2-40B4-BE49-F238E27FC236}">
-                <a16:creationId xmlns:a16="http://schemas.microsoft.com/office/drawing/2014/main" id="{62E460A4-595C-7155-EE59-304E024DB5B1}"/>
-              </a:ext>
-            </a:extLst>
-          </p:cNvPr>
-          <p:cNvPicPr>
-            <a:picLocks noChangeAspect="1" noChangeArrowheads="1"/>
-          </p:cNvPicPr>
-          <p:nvPr/>
-        </p:nvPicPr>
-        <p:blipFill>
-          <a:blip r:embed="rId4">
-            <a:extLst>
-              <a:ext uri="{28A0092B-C50C-407E-A947-70E740481C1C}">
-                <a14:useLocalDpi xmlns:a14="http://schemas.microsoft.com/office/drawing/2010/main" val="0"/>
-              </a:ext>
-            </a:extLst>
-          </a:blip>
-          <a:srcRect/>
-          <a:stretch>
-            <a:fillRect/>
-          </a:stretch>
-        </p:blipFill>
-        <p:spPr bwMode="auto">
-          <a:xfrm>
-            <a:off x="427840" y="2946877"/>
-            <a:ext cx="2812098" cy="2812098"/>
-          </a:xfrm>
-          <a:prstGeom prst="rect">
-            <a:avLst/>
-          </a:prstGeom>
-          <a:noFill/>
-          <a:extLst>
-            <a:ext uri="{909E8E84-426E-40DD-AFC4-6F175D3DCCD1}">
-              <a14:hiddenFill xmlns:a14="http://schemas.microsoft.com/office/drawing/2010/main">
+        </p:nvSpPr>
+        <p:spPr/>
+        <p:txBody>
+          <a:bodyPr/>
+          <a:lstStyle/>
+          <a:p>
+            <a:r>
+              <a:rPr lang="en-US" b="0" dirty="0">
                 <a:solidFill>
-                  <a:srgbClr val="FFFFFF"/>
+                  <a:srgbClr val="051E50"/>
                 </a:solidFill>
-              </a14:hiddenFill>
-            </a:ext>
-          </a:extLst>
-        </p:spPr>
-      </p:pic>
-      <p:sp>
-        <p:nvSpPr>
-          <p:cNvPr id="3" name="TextBox 2">
-            <a:extLst>
-              <a:ext uri="{FF2B5EF4-FFF2-40B4-BE49-F238E27FC236}">
-                <a16:creationId xmlns:a16="http://schemas.microsoft.com/office/drawing/2014/main" id="{7797FBA8-A414-9EC0-554D-DE63AFD0F341}"/>
-              </a:ext>
-            </a:extLst>
-          </p:cNvPr>
-          <p:cNvSpPr txBox="1"/>
-          <p:nvPr/>
-        </p:nvSpPr>
-        <p:spPr>
-          <a:xfrm>
-            <a:off x="427840" y="5855904"/>
-            <a:ext cx="5744359" cy="369332"/>
-          </a:xfrm>
-          <a:prstGeom prst="rect">
-            <a:avLst/>
-          </a:prstGeom>
-          <a:noFill/>
-        </p:spPr>
-        <p:txBody>
-          <a:bodyPr wrap="square" rtlCol="0">
-            <a:spAutoFit/>
-          </a:bodyPr>
-          <a:lstStyle/>
-          <a:p>
-            <a:pPr algn="ctr"/>
-            <a:r>
-              <a:rPr lang="en-US" dirty="0"/>
-              <a:t>https://www.anaconda.com/download/</a:t>
-            </a:r>
+                <a:effectLst/>
+              </a:rPr>
+              <a:t>hybrid</a:t>
+            </a:r>
+            <a:r>
+              <a:rPr lang="en-US" b="0" i="0" dirty="0">
+                <a:solidFill>
+                  <a:srgbClr val="051E50"/>
+                </a:solidFill>
+                <a:effectLst/>
+              </a:rPr>
+              <a:t> between a fully automated machine learning solution and one that requires an expert deep learning practitioner </a:t>
+            </a:r>
+          </a:p>
+          <a:p>
+            <a:pPr lvl="1"/>
+            <a:r>
+              <a:rPr lang="en-US" b="0" i="0" dirty="0">
+                <a:solidFill>
+                  <a:srgbClr val="051E50"/>
+                </a:solidFill>
+                <a:effectLst/>
+              </a:rPr>
+              <a:t>often this approach will lead to better accuracy than what the NAS finds on its own</a:t>
+            </a:r>
+            <a:endParaRPr lang="en-US" dirty="0"/>
           </a:p>
         </p:txBody>
       </p:sp>
     </p:spTree>
     <p:extLst>
       <p:ext uri="{BB962C8B-B14F-4D97-AF65-F5344CB8AC3E}">
-        <p14:creationId xmlns:p14="http://schemas.microsoft.com/office/powerpoint/2010/main" val="726834242"/>
+        <p14:creationId xmlns:p14="http://schemas.microsoft.com/office/powerpoint/2010/main" val="3335714864"/>
       </p:ext>
     </p:extLst>
   </p:cSld>
@@ -5558,7 +6330,7 @@
           <p:cNvPr id="2" name="Title 1">
             <a:extLst>
               <a:ext uri="{FF2B5EF4-FFF2-40B4-BE49-F238E27FC236}">
-                <a16:creationId xmlns:a16="http://schemas.microsoft.com/office/drawing/2014/main" id="{8F72BFDD-6053-F49E-F46D-943FB7E136A4}"/>
+                <a16:creationId xmlns:a16="http://schemas.microsoft.com/office/drawing/2014/main" id="{A7934C87-A021-835B-569B-D84B100EBB8F}"/>
               </a:ext>
             </a:extLst>
           </p:cNvPr>
@@ -5576,195 +6348,110 @@
           <a:p>
             <a:r>
               <a:rPr lang="en-US" dirty="0"/>
-              <a:t>Thank you</a:t>
-            </a:r>
-          </a:p>
-        </p:txBody>
-      </p:sp>
-      <p:sp>
-        <p:nvSpPr>
-          <p:cNvPr id="3" name="Text Placeholder 2">
-            <a:extLst>
-              <a:ext uri="{FF2B5EF4-FFF2-40B4-BE49-F238E27FC236}">
-                <a16:creationId xmlns:a16="http://schemas.microsoft.com/office/drawing/2014/main" id="{0827AF7B-B805-3D6C-0523-E537063A5D8B}"/>
-              </a:ext>
-            </a:extLst>
-          </p:cNvPr>
-          <p:cNvSpPr>
-            <a:spLocks noGrp="1"/>
-          </p:cNvSpPr>
-          <p:nvPr>
-            <p:ph type="body" idx="1"/>
+              <a:t>Conclusion</a:t>
+            </a:r>
+          </a:p>
+        </p:txBody>
+      </p:sp>
+      <p:sp>
+        <p:nvSpPr>
+          <p:cNvPr id="16" name="Content Placeholder 15">
+            <a:extLst>
+              <a:ext uri="{FF2B5EF4-FFF2-40B4-BE49-F238E27FC236}">
+                <a16:creationId xmlns:a16="http://schemas.microsoft.com/office/drawing/2014/main" id="{C002A248-B131-5EDF-E1DF-101C0BBECE32}"/>
+              </a:ext>
+            </a:extLst>
+          </p:cNvPr>
+          <p:cNvSpPr>
+            <a:spLocks noGrp="1"/>
+          </p:cNvSpPr>
+          <p:nvPr>
+            <p:ph idx="1"/>
           </p:nvPr>
         </p:nvSpPr>
         <p:spPr/>
         <p:txBody>
-          <a:bodyPr/>
-          <a:lstStyle/>
-          <a:p>
-            <a:r>
-              <a:rPr lang="en-US" dirty="0">
-                <a:solidFill>
-                  <a:schemeClr val="tx1"/>
-                </a:solidFill>
-              </a:rPr>
-              <a:t>Questions?</a:t>
-            </a:r>
-          </a:p>
-        </p:txBody>
-      </p:sp>
-      <p:pic>
-        <p:nvPicPr>
-          <p:cNvPr id="4" name="Picture 3" descr="A qr code on a white background&#10;&#10;Description automatically generated">
-            <a:extLst>
-              <a:ext uri="{FF2B5EF4-FFF2-40B4-BE49-F238E27FC236}">
-                <a16:creationId xmlns:a16="http://schemas.microsoft.com/office/drawing/2014/main" id="{93BF6ECA-2850-221C-5B4E-7AF343DBE8B1}"/>
-              </a:ext>
-            </a:extLst>
-          </p:cNvPr>
-          <p:cNvPicPr>
-            <a:picLocks noChangeAspect="1"/>
-          </p:cNvPicPr>
-          <p:nvPr/>
-        </p:nvPicPr>
-        <p:blipFill>
-          <a:blip r:embed="rId2">
-            <a:extLst>
-              <a:ext uri="{28A0092B-C50C-407E-A947-70E740481C1C}">
-                <a14:useLocalDpi xmlns:a14="http://schemas.microsoft.com/office/drawing/2010/main" val="0"/>
-              </a:ext>
-            </a:extLst>
-          </a:blip>
-          <a:stretch>
-            <a:fillRect/>
-          </a:stretch>
-        </p:blipFill>
-        <p:spPr>
-          <a:xfrm>
-            <a:off x="5107203" y="2084156"/>
-            <a:ext cx="2651760" cy="2651760"/>
-          </a:xfrm>
-          <a:prstGeom prst="rect">
-            <a:avLst/>
-          </a:prstGeom>
-        </p:spPr>
-      </p:pic>
-      <p:sp>
-        <p:nvSpPr>
-          <p:cNvPr id="5" name="TextBox 4">
-            <a:extLst>
-              <a:ext uri="{FF2B5EF4-FFF2-40B4-BE49-F238E27FC236}">
-                <a16:creationId xmlns:a16="http://schemas.microsoft.com/office/drawing/2014/main" id="{F40C4F57-1EB7-57D9-29DF-1308136B866D}"/>
-              </a:ext>
-            </a:extLst>
-          </p:cNvPr>
-          <p:cNvSpPr txBox="1"/>
-          <p:nvPr/>
-        </p:nvSpPr>
-        <p:spPr>
-          <a:xfrm>
-            <a:off x="5313495" y="1709738"/>
-            <a:ext cx="2239176" cy="369332"/>
-          </a:xfrm>
-          <a:prstGeom prst="rect">
-            <a:avLst/>
-          </a:prstGeom>
-          <a:noFill/>
-        </p:spPr>
-        <p:txBody>
-          <a:bodyPr wrap="square" rtlCol="0">
-            <a:spAutoFit/>
+          <a:bodyPr>
+            <a:normAutofit lnSpcReduction="10000"/>
           </a:bodyPr>
           <a:lstStyle/>
           <a:p>
-            <a:pPr algn="ctr"/>
+            <a:r>
+              <a:rPr lang="en-US" dirty="0" err="1"/>
+              <a:t>AutoKeras</a:t>
+            </a:r>
             <a:r>
               <a:rPr lang="en-US" dirty="0"/>
-              <a:t>LinkedIn QR Code</a:t>
-            </a:r>
-          </a:p>
-        </p:txBody>
-      </p:sp>
-      <p:pic>
-        <p:nvPicPr>
-          <p:cNvPr id="6" name="Content Placeholder 6" descr="A qr code on a white background&#10;&#10;Description automatically generated">
-            <a:extLst>
-              <a:ext uri="{FF2B5EF4-FFF2-40B4-BE49-F238E27FC236}">
-                <a16:creationId xmlns:a16="http://schemas.microsoft.com/office/drawing/2014/main" id="{AD8F11F3-43F3-7491-BC19-D5892F0A5087}"/>
-              </a:ext>
-            </a:extLst>
-          </p:cNvPr>
-          <p:cNvPicPr>
-            <a:picLocks noChangeAspect="1"/>
-          </p:cNvPicPr>
-          <p:nvPr/>
-        </p:nvPicPr>
-        <p:blipFill>
-          <a:blip r:embed="rId3">
-            <a:extLst>
-              <a:ext uri="{28A0092B-C50C-407E-A947-70E740481C1C}">
-                <a14:useLocalDpi xmlns:a14="http://schemas.microsoft.com/office/drawing/2010/main" val="0"/>
-              </a:ext>
-            </a:extLst>
-          </a:blip>
-          <a:stretch>
-            <a:fillRect/>
-          </a:stretch>
-        </p:blipFill>
-        <p:spPr>
-          <a:xfrm>
-            <a:off x="8922429" y="2084156"/>
-            <a:ext cx="2651760" cy="2651760"/>
-          </a:xfrm>
-          <a:prstGeom prst="rect">
-            <a:avLst/>
-          </a:prstGeom>
-        </p:spPr>
-      </p:pic>
-      <p:sp>
-        <p:nvSpPr>
-          <p:cNvPr id="7" name="TextBox 6">
-            <a:extLst>
-              <a:ext uri="{FF2B5EF4-FFF2-40B4-BE49-F238E27FC236}">
-                <a16:creationId xmlns:a16="http://schemas.microsoft.com/office/drawing/2014/main" id="{D494A84A-46A6-2889-9355-45ECD462EFA4}"/>
-              </a:ext>
-            </a:extLst>
-          </p:cNvPr>
-          <p:cNvSpPr txBox="1"/>
-          <p:nvPr/>
-        </p:nvSpPr>
-        <p:spPr>
-          <a:xfrm>
-            <a:off x="9128721" y="1701330"/>
-            <a:ext cx="2239176" cy="369332"/>
-          </a:xfrm>
-          <a:prstGeom prst="rect">
-            <a:avLst/>
-          </a:prstGeom>
-          <a:noFill/>
-        </p:spPr>
-        <p:txBody>
-          <a:bodyPr wrap="square" rtlCol="0">
-            <a:spAutoFit/>
-          </a:bodyPr>
-          <a:lstStyle/>
-          <a:p>
-            <a:pPr algn="ctr"/>
+              <a:t> is a form of </a:t>
+            </a:r>
             <a:r>
               <a:rPr lang="en-US" dirty="0" err="1"/>
-              <a:t>Github</a:t>
+              <a:t>AutoAI</a:t>
             </a:r>
             <a:r>
               <a:rPr lang="en-US" dirty="0"/>
-              <a:t> QR Code</a:t>
-            </a:r>
+              <a:t> that utilizes the Neural Architecture Search to quickly and efficiently determine a neural architecture with good performance</a:t>
+            </a:r>
+          </a:p>
+          <a:p>
+            <a:r>
+              <a:rPr lang="en-US" dirty="0"/>
+              <a:t>Using </a:t>
+            </a:r>
+            <a:r>
+              <a:rPr lang="en-US" dirty="0" err="1"/>
+              <a:t>AutoKeras</a:t>
+            </a:r>
+            <a:r>
+              <a:rPr lang="en-US" dirty="0"/>
+              <a:t> on its own does </a:t>
+            </a:r>
+            <a:r>
+              <a:rPr lang="en-US" b="1" dirty="0"/>
+              <a:t>not </a:t>
+            </a:r>
+            <a:r>
+              <a:rPr lang="en-US" dirty="0"/>
+              <a:t>guarantee the development of the best possible model for the dataset, but provides a solid baseline that can be learned from</a:t>
+            </a:r>
+          </a:p>
+          <a:p>
+            <a:r>
+              <a:rPr lang="en-US" dirty="0"/>
+              <a:t>Through the export functionality, </a:t>
+            </a:r>
+            <a:r>
+              <a:rPr lang="en-US" dirty="0" err="1"/>
+              <a:t>AutoKeras</a:t>
+            </a:r>
+            <a:r>
+              <a:rPr lang="en-US" dirty="0"/>
+              <a:t> models can be adjusted and fine-tuned in an effort to get better performance</a:t>
+            </a:r>
+          </a:p>
+          <a:p>
+            <a:r>
+              <a:rPr lang="en-US" dirty="0"/>
+              <a:t>In short, </a:t>
+            </a:r>
+            <a:r>
+              <a:rPr lang="en-US" dirty="0" err="1"/>
+              <a:t>AutoKeras</a:t>
+            </a:r>
+            <a:r>
+              <a:rPr lang="en-US" dirty="0"/>
+              <a:t> another very useful tool that can be used to streamline the process of model development by providing a solid baseline with good to great performance</a:t>
+            </a:r>
+          </a:p>
+          <a:p>
+            <a:endParaRPr lang="en-US" dirty="0"/>
           </a:p>
         </p:txBody>
       </p:sp>
     </p:spTree>
     <p:extLst>
       <p:ext uri="{BB962C8B-B14F-4D97-AF65-F5344CB8AC3E}">
-        <p14:creationId xmlns:p14="http://schemas.microsoft.com/office/powerpoint/2010/main" val="754003316"/>
+        <p14:creationId xmlns:p14="http://schemas.microsoft.com/office/powerpoint/2010/main" val="2249258354"/>
       </p:ext>
     </p:extLst>
   </p:cSld>
